--- a/MS Office Suit/PowerPoint/java.pptx
+++ b/MS Office Suit/PowerPoint/java.pptx
@@ -14,8 +14,7 @@
     <p:sldId id="264" r:id="rId8"/>
     <p:sldId id="260" r:id="rId9"/>
     <p:sldId id="261" r:id="rId10"/>
-    <p:sldId id="262" r:id="rId11"/>
-    <p:sldId id="263" r:id="rId12"/>
+    <p:sldId id="263" r:id="rId11"/>
   </p:sldIdLst>
   <p:sldSz cx="12192000" cy="6858000"/>
   <p:notesSz cx="6858000" cy="9144000"/>
@@ -205,7 +204,7 @@
                 <a:tabLst/>
                 <a:defRPr/>
               </a:pPr>
-              <a:t>17-11-2024</a:t>
+              <a:t>24-02-2025</a:t>
             </a:fld>
             <a:endParaRPr kumimoji="0" lang="en-IN" sz="900" b="0" i="0" u="none" strike="noStrike" kern="1200" cap="none" spc="0" normalizeH="0" baseline="0" noProof="0">
               <a:ln>
@@ -596,7 +595,7 @@
           <a:p>
             <a:fld id="{A04659C3-3830-4CCE-9B74-E8F2DF73319C}" type="datetimeFigureOut">
               <a:rPr lang="en-IN" smtClean="0"/>
-              <a:t>17-11-2024</a:t>
+              <a:t>24-02-2025</a:t>
             </a:fld>
             <a:endParaRPr lang="en-IN"/>
           </a:p>
@@ -801,7 +800,7 @@
           <a:p>
             <a:fld id="{A04659C3-3830-4CCE-9B74-E8F2DF73319C}" type="datetimeFigureOut">
               <a:rPr lang="en-IN" smtClean="0"/>
-              <a:t>17-11-2024</a:t>
+              <a:t>24-02-2025</a:t>
             </a:fld>
             <a:endParaRPr lang="en-IN"/>
           </a:p>
@@ -981,7 +980,7 @@
           <a:p>
             <a:fld id="{A04659C3-3830-4CCE-9B74-E8F2DF73319C}" type="datetimeFigureOut">
               <a:rPr lang="en-IN" smtClean="0"/>
-              <a:t>17-11-2024</a:t>
+              <a:t>24-02-2025</a:t>
             </a:fld>
             <a:endParaRPr lang="en-IN"/>
           </a:p>
@@ -9870,7 +9869,7 @@
           <a:p>
             <a:fld id="{A04659C3-3830-4CCE-9B74-E8F2DF73319C}" type="datetimeFigureOut">
               <a:rPr lang="en-IN" smtClean="0"/>
-              <a:t>17-11-2024</a:t>
+              <a:t>24-02-2025</a:t>
             </a:fld>
             <a:endParaRPr lang="en-IN"/>
           </a:p>
@@ -10077,7 +10076,7 @@
           <a:p>
             <a:fld id="{A04659C3-3830-4CCE-9B74-E8F2DF73319C}" type="datetimeFigureOut">
               <a:rPr lang="en-IN" smtClean="0"/>
-              <a:t>17-11-2024</a:t>
+              <a:t>24-02-2025</a:t>
             </a:fld>
             <a:endParaRPr lang="en-IN"/>
           </a:p>
@@ -18975,7 +18974,7 @@
           <a:p>
             <a:fld id="{A04659C3-3830-4CCE-9B74-E8F2DF73319C}" type="datetimeFigureOut">
               <a:rPr lang="en-IN" smtClean="0"/>
-              <a:t>17-11-2024</a:t>
+              <a:t>24-02-2025</a:t>
             </a:fld>
             <a:endParaRPr lang="en-IN"/>
           </a:p>
@@ -19249,7 +19248,7 @@
           <a:p>
             <a:fld id="{A04659C3-3830-4CCE-9B74-E8F2DF73319C}" type="datetimeFigureOut">
               <a:rPr lang="en-IN" smtClean="0"/>
-              <a:t>17-11-2024</a:t>
+              <a:t>24-02-2025</a:t>
             </a:fld>
             <a:endParaRPr lang="en-IN"/>
           </a:p>
@@ -19647,7 +19646,7 @@
           <a:p>
             <a:fld id="{A04659C3-3830-4CCE-9B74-E8F2DF73319C}" type="datetimeFigureOut">
               <a:rPr lang="en-IN" smtClean="0"/>
-              <a:t>17-11-2024</a:t>
+              <a:t>24-02-2025</a:t>
             </a:fld>
             <a:endParaRPr lang="en-IN"/>
           </a:p>
@@ -19765,7 +19764,7 @@
           <a:p>
             <a:fld id="{A04659C3-3830-4CCE-9B74-E8F2DF73319C}" type="datetimeFigureOut">
               <a:rPr lang="en-IN" smtClean="0"/>
-              <a:t>17-11-2024</a:t>
+              <a:t>24-02-2025</a:t>
             </a:fld>
             <a:endParaRPr lang="en-IN"/>
           </a:p>
@@ -19860,7 +19859,7 @@
           <a:p>
             <a:fld id="{A04659C3-3830-4CCE-9B74-E8F2DF73319C}" type="datetimeFigureOut">
               <a:rPr lang="en-IN" smtClean="0"/>
-              <a:t>17-11-2024</a:t>
+              <a:t>24-02-2025</a:t>
             </a:fld>
             <a:endParaRPr lang="en-IN"/>
           </a:p>
@@ -20150,7 +20149,7 @@
           <a:p>
             <a:fld id="{A04659C3-3830-4CCE-9B74-E8F2DF73319C}" type="datetimeFigureOut">
               <a:rPr lang="en-IN" smtClean="0"/>
-              <a:t>17-11-2024</a:t>
+              <a:t>24-02-2025</a:t>
             </a:fld>
             <a:endParaRPr lang="en-IN"/>
           </a:p>
@@ -20895,7 +20894,7 @@
           <a:p>
             <a:fld id="{BD123544-C840-4E8F-B502-87A5FAB98D68}" type="datetimeFigureOut">
               <a:rPr lang="en-IN" smtClean="0"/>
-              <a:t>17-11-2024</a:t>
+              <a:t>24-02-2025</a:t>
             </a:fld>
             <a:endParaRPr lang="en-IN"/>
           </a:p>
@@ -21563,7 +21562,7 @@
           <a:p>
             <a:fld id="{A04659C3-3830-4CCE-9B74-E8F2DF73319C}" type="datetimeFigureOut">
               <a:rPr lang="en-IN" smtClean="0"/>
-              <a:t>17-11-2024</a:t>
+              <a:t>24-02-2025</a:t>
             </a:fld>
             <a:endParaRPr lang="en-IN"/>
           </a:p>
@@ -22180,77 +22179,6 @@
     <p:extLst>
       <p:ext uri="{BB962C8B-B14F-4D97-AF65-F5344CB8AC3E}">
         <p14:creationId xmlns:p14="http://schemas.microsoft.com/office/powerpoint/2010/main" val="253735764"/>
-      </p:ext>
-    </p:extLst>
-  </p:cSld>
-  <p:clrMapOvr>
-    <a:masterClrMapping/>
-  </p:clrMapOvr>
-</p:sld>
-</file>
-
-<file path=ppt/slides/slide10.xml><?xml version="1.0" encoding="utf-8"?>
-<p:sld xmlns:a="http://schemas.openxmlformats.org/drawingml/2006/main" xmlns:r="http://schemas.openxmlformats.org/officeDocument/2006/relationships" xmlns:p="http://schemas.openxmlformats.org/presentationml/2006/main">
-  <p:cSld>
-    <p:spTree>
-      <p:nvGrpSpPr>
-        <p:cNvPr id="1" name=""/>
-        <p:cNvGrpSpPr/>
-        <p:nvPr/>
-      </p:nvGrpSpPr>
-      <p:grpSpPr>
-        <a:xfrm>
-          <a:off x="0" y="0"/>
-          <a:ext cx="0" cy="0"/>
-          <a:chOff x="0" y="0"/>
-          <a:chExt cx="0" cy="0"/>
-        </a:xfrm>
-      </p:grpSpPr>
-      <p:sp>
-        <p:nvSpPr>
-          <p:cNvPr id="2" name="TextBox 1">
-            <a:extLst>
-              <a:ext uri="{FF2B5EF4-FFF2-40B4-BE49-F238E27FC236}">
-                <a16:creationId xmlns:a16="http://schemas.microsoft.com/office/drawing/2014/main" id="{CF5863FB-4C26-D550-3F4B-77408A6F879B}"/>
-              </a:ext>
-            </a:extLst>
-          </p:cNvPr>
-          <p:cNvSpPr txBox="1"/>
-          <p:nvPr/>
-        </p:nvSpPr>
-        <p:spPr>
-          <a:xfrm>
-            <a:off x="3338946" y="2959176"/>
-            <a:ext cx="5237018" cy="923330"/>
-          </a:xfrm>
-          <a:prstGeom prst="rect">
-            <a:avLst/>
-          </a:prstGeom>
-          <a:noFill/>
-        </p:spPr>
-        <p:txBody>
-          <a:bodyPr wrap="square" rtlCol="0">
-            <a:spAutoFit/>
-          </a:bodyPr>
-          <a:lstStyle/>
-          <a:p>
-            <a:pPr algn="ctr"/>
-            <a:r>
-              <a:rPr lang="en-IN" sz="5400" dirty="0">
-                <a:solidFill>
-                  <a:srgbClr val="002060"/>
-                </a:solidFill>
-                <a:latin typeface="Arial Black" panose="020B0A04020102020204" pitchFamily="34" charset="0"/>
-              </a:rPr>
-              <a:t>Thank You…!</a:t>
-            </a:r>
-          </a:p>
-        </p:txBody>
-      </p:sp>
-    </p:spTree>
-    <p:extLst>
-      <p:ext uri="{BB962C8B-B14F-4D97-AF65-F5344CB8AC3E}">
-        <p14:creationId xmlns:p14="http://schemas.microsoft.com/office/powerpoint/2010/main" val="1338683109"/>
       </p:ext>
     </p:extLst>
   </p:cSld>
@@ -25080,91 +25008,10 @@
       </p:grpSpPr>
       <p:sp>
         <p:nvSpPr>
-          <p:cNvPr id="2" name="AutoShape 2" descr="A cartoon illustration of a programmer sitting at a desk with a glowing light bulb above their head, symbolizing a bright idea. The programmer is smiling, looking at their computer screen, which displays clean, simple lines of code. The desk has a coffee mug and a plant for a cozy workspace vibe. The background is minimalistic with soft colors, creating a positive and creative atmosphere.">
+          <p:cNvPr id="2" name="TextBox 1">
             <a:extLst>
               <a:ext uri="{FF2B5EF4-FFF2-40B4-BE49-F238E27FC236}">
-                <a16:creationId xmlns:a16="http://schemas.microsoft.com/office/drawing/2014/main" id="{1EC2C992-62E2-FD35-10A8-CCCA65600998}"/>
-              </a:ext>
-            </a:extLst>
-          </p:cNvPr>
-          <p:cNvSpPr>
-            <a:spLocks noChangeAspect="1" noChangeArrowheads="1"/>
-          </p:cNvSpPr>
-          <p:nvPr/>
-        </p:nvSpPr>
-        <p:spPr bwMode="auto">
-          <a:xfrm>
-            <a:off x="5943600" y="3276600"/>
-            <a:ext cx="304800" cy="304800"/>
-          </a:xfrm>
-          <a:prstGeom prst="rect">
-            <a:avLst/>
-          </a:prstGeom>
-          <a:noFill/>
-          <a:extLst>
-            <a:ext uri="{909E8E84-426E-40DD-AFC4-6F175D3DCCD1}">
-              <a14:hiddenFill xmlns:a14="http://schemas.microsoft.com/office/drawing/2010/main">
-                <a:solidFill>
-                  <a:srgbClr val="FFFFFF"/>
-                </a:solidFill>
-              </a14:hiddenFill>
-            </a:ext>
-          </a:extLst>
-        </p:spPr>
-        <p:txBody>
-          <a:bodyPr vert="horz" wrap="square" lIns="91440" tIns="45720" rIns="91440" bIns="45720" numCol="1" anchor="t" anchorCtr="0" compatLnSpc="1">
-            <a:prstTxWarp prst="textNoShape">
-              <a:avLst/>
-            </a:prstTxWarp>
-          </a:bodyPr>
-          <a:lstStyle/>
-          <a:p>
-            <a:endParaRPr lang="en-IN"/>
-          </a:p>
-        </p:txBody>
-      </p:sp>
-      <p:pic>
-        <p:nvPicPr>
-          <p:cNvPr id="4" name="Picture 3">
-            <a:extLst>
-              <a:ext uri="{FF2B5EF4-FFF2-40B4-BE49-F238E27FC236}">
-                <a16:creationId xmlns:a16="http://schemas.microsoft.com/office/drawing/2014/main" id="{E9384208-65AB-649D-55CA-B76C7F616988}"/>
-              </a:ext>
-            </a:extLst>
-          </p:cNvPr>
-          <p:cNvPicPr>
-            <a:picLocks noChangeAspect="1"/>
-          </p:cNvPicPr>
-          <p:nvPr/>
-        </p:nvPicPr>
-        <p:blipFill>
-          <a:blip r:embed="rId2">
-            <a:extLst>
-              <a:ext uri="{28A0092B-C50C-407E-A947-70E740481C1C}">
-                <a14:useLocalDpi xmlns:a14="http://schemas.microsoft.com/office/drawing/2010/main" val="0"/>
-              </a:ext>
-            </a:extLst>
-          </a:blip>
-          <a:stretch>
-            <a:fillRect/>
-          </a:stretch>
-        </p:blipFill>
-        <p:spPr>
-          <a:xfrm>
-            <a:off x="4090554" y="2036616"/>
-            <a:ext cx="3706091" cy="3706091"/>
-          </a:xfrm>
-          <a:prstGeom prst="rect">
-            <a:avLst/>
-          </a:prstGeom>
-        </p:spPr>
-      </p:pic>
-      <p:sp>
-        <p:nvSpPr>
-          <p:cNvPr id="6" name="TextBox 5">
-            <a:extLst>
-              <a:ext uri="{FF2B5EF4-FFF2-40B4-BE49-F238E27FC236}">
-                <a16:creationId xmlns:a16="http://schemas.microsoft.com/office/drawing/2014/main" id="{2DCF18A8-06A1-903A-6D88-5F72BFBE3FB8}"/>
+                <a16:creationId xmlns:a16="http://schemas.microsoft.com/office/drawing/2014/main" id="{CF5863FB-4C26-D550-3F4B-77408A6F879B}"/>
               </a:ext>
             </a:extLst>
           </p:cNvPr>
@@ -25173,8 +25020,8 @@
         </p:nvSpPr>
         <p:spPr>
           <a:xfrm>
-            <a:off x="3519056" y="770293"/>
-            <a:ext cx="4516581" cy="646331"/>
+            <a:off x="3338946" y="2959176"/>
+            <a:ext cx="5237018" cy="923330"/>
           </a:xfrm>
           <a:prstGeom prst="rect">
             <a:avLst/>
@@ -25182,18 +25029,20 @@
           <a:noFill/>
         </p:spPr>
         <p:txBody>
-          <a:bodyPr wrap="square">
+          <a:bodyPr wrap="square" rtlCol="0">
             <a:spAutoFit/>
           </a:bodyPr>
           <a:lstStyle/>
           <a:p>
+            <a:pPr algn="ctr"/>
             <a:r>
-              <a:rPr lang="en-US" i="1" dirty="0"/>
-              <a:t>"Programming isn't about what you know; it's about what you can figure out."</a:t>
-            </a:r>
-            <a:r>
-              <a:rPr lang="en-US" dirty="0"/>
-              <a:t> </a:t>
+              <a:rPr lang="en-IN" sz="5400" dirty="0">
+                <a:solidFill>
+                  <a:srgbClr val="002060"/>
+                </a:solidFill>
+                <a:latin typeface="Arial Black" panose="020B0A04020102020204" pitchFamily="34" charset="0"/>
+              </a:rPr>
+              <a:t>Thank You…!</a:t>
             </a:r>
           </a:p>
         </p:txBody>
@@ -25201,7 +25050,7 @@
     </p:spTree>
     <p:extLst>
       <p:ext uri="{BB962C8B-B14F-4D97-AF65-F5344CB8AC3E}">
-        <p14:creationId xmlns:p14="http://schemas.microsoft.com/office/powerpoint/2010/main" val="3371046241"/>
+        <p14:creationId xmlns:p14="http://schemas.microsoft.com/office/powerpoint/2010/main" val="1338683109"/>
       </p:ext>
     </p:extLst>
   </p:cSld>
